--- a/Eager/paper/socc15/figures/FigureDesigns.pptx
+++ b/Eager/paper/socc15/figures/FigureDesigns.pptx
@@ -289,7 +289,7 @@
           <a:p>
             <a:fld id="{5180D103-0C4C-A84A-B553-E839CDB1FABE}" type="datetimeFigureOut">
               <a:rPr lang="en-US" smtClean="0"/>
-              <a:t>3/22/15</a:t>
+              <a:t>10/20/16</a:t>
             </a:fld>
             <a:endParaRPr lang="en-US"/>
           </a:p>
@@ -459,7 +459,7 @@
           <a:p>
             <a:fld id="{5180D103-0C4C-A84A-B553-E839CDB1FABE}" type="datetimeFigureOut">
               <a:rPr lang="en-US" smtClean="0"/>
-              <a:t>3/22/15</a:t>
+              <a:t>10/20/16</a:t>
             </a:fld>
             <a:endParaRPr lang="en-US"/>
           </a:p>
@@ -639,7 +639,7 @@
           <a:p>
             <a:fld id="{5180D103-0C4C-A84A-B553-E839CDB1FABE}" type="datetimeFigureOut">
               <a:rPr lang="en-US" smtClean="0"/>
-              <a:t>3/22/15</a:t>
+              <a:t>10/20/16</a:t>
             </a:fld>
             <a:endParaRPr lang="en-US"/>
           </a:p>
@@ -809,7 +809,7 @@
           <a:p>
             <a:fld id="{5180D103-0C4C-A84A-B553-E839CDB1FABE}" type="datetimeFigureOut">
               <a:rPr lang="en-US" smtClean="0"/>
-              <a:t>3/22/15</a:t>
+              <a:t>10/20/16</a:t>
             </a:fld>
             <a:endParaRPr lang="en-US"/>
           </a:p>
@@ -1055,7 +1055,7 @@
           <a:p>
             <a:fld id="{5180D103-0C4C-A84A-B553-E839CDB1FABE}" type="datetimeFigureOut">
               <a:rPr lang="en-US" smtClean="0"/>
-              <a:t>3/22/15</a:t>
+              <a:t>10/20/16</a:t>
             </a:fld>
             <a:endParaRPr lang="en-US"/>
           </a:p>
@@ -1343,7 +1343,7 @@
           <a:p>
             <a:fld id="{5180D103-0C4C-A84A-B553-E839CDB1FABE}" type="datetimeFigureOut">
               <a:rPr lang="en-US" smtClean="0"/>
-              <a:t>3/22/15</a:t>
+              <a:t>10/20/16</a:t>
             </a:fld>
             <a:endParaRPr lang="en-US"/>
           </a:p>
@@ -1765,7 +1765,7 @@
           <a:p>
             <a:fld id="{5180D103-0C4C-A84A-B553-E839CDB1FABE}" type="datetimeFigureOut">
               <a:rPr lang="en-US" smtClean="0"/>
-              <a:t>3/22/15</a:t>
+              <a:t>10/20/16</a:t>
             </a:fld>
             <a:endParaRPr lang="en-US"/>
           </a:p>
@@ -1883,7 +1883,7 @@
           <a:p>
             <a:fld id="{5180D103-0C4C-A84A-B553-E839CDB1FABE}" type="datetimeFigureOut">
               <a:rPr lang="en-US" smtClean="0"/>
-              <a:t>3/22/15</a:t>
+              <a:t>10/20/16</a:t>
             </a:fld>
             <a:endParaRPr lang="en-US"/>
           </a:p>
@@ -1978,7 +1978,7 @@
           <a:p>
             <a:fld id="{5180D103-0C4C-A84A-B553-E839CDB1FABE}" type="datetimeFigureOut">
               <a:rPr lang="en-US" smtClean="0"/>
-              <a:t>3/22/15</a:t>
+              <a:t>10/20/16</a:t>
             </a:fld>
             <a:endParaRPr lang="en-US"/>
           </a:p>
@@ -2255,7 +2255,7 @@
           <a:p>
             <a:fld id="{5180D103-0C4C-A84A-B553-E839CDB1FABE}" type="datetimeFigureOut">
               <a:rPr lang="en-US" smtClean="0"/>
-              <a:t>3/22/15</a:t>
+              <a:t>10/20/16</a:t>
             </a:fld>
             <a:endParaRPr lang="en-US"/>
           </a:p>
@@ -2508,7 +2508,7 @@
           <a:p>
             <a:fld id="{5180D103-0C4C-A84A-B553-E839CDB1FABE}" type="datetimeFigureOut">
               <a:rPr lang="en-US" smtClean="0"/>
-              <a:t>3/22/15</a:t>
+              <a:t>10/20/16</a:t>
             </a:fld>
             <a:endParaRPr lang="en-US"/>
           </a:p>
@@ -2721,7 +2721,7 @@
           <a:p>
             <a:fld id="{5180D103-0C4C-A84A-B553-E839CDB1FABE}" type="datetimeFigureOut">
               <a:rPr lang="en-US" smtClean="0"/>
-              <a:t>3/22/15</a:t>
+              <a:t>10/20/16</a:t>
             </a:fld>
             <a:endParaRPr lang="en-US"/>
           </a:p>
@@ -3743,8 +3743,8 @@
             </p:nvSpPr>
             <p:spPr>
               <a:xfrm>
-                <a:off x="1630949" y="5120105"/>
-                <a:ext cx="5641472" cy="1243264"/>
+                <a:off x="1630949" y="4577056"/>
+                <a:ext cx="5641472" cy="563123"/>
               </a:xfrm>
               <a:prstGeom prst="rect">
                 <a:avLst/>
@@ -3776,45 +3776,11 @@
                 <a:pPr algn="ctr"/>
                 <a:r>
                   <a:rPr lang="en-US" sz="2200" dirty="0" smtClean="0"/>
-                  <a:t>Cloud SDK Interfaces and Scalable </a:t>
-                </a:r>
-              </a:p>
-              <a:p>
-                <a:pPr algn="ctr"/>
-                <a:r>
-                  <a:rPr lang="en-US" sz="2200" dirty="0" smtClean="0"/>
-                  <a:t>Service Implementations</a:t>
-                </a:r>
-              </a:p>
-              <a:p>
-                <a:pPr algn="ctr"/>
-                <a:r>
-                  <a:rPr lang="en-US" sz="2200" dirty="0" smtClean="0"/>
-                  <a:t>(</a:t>
-                </a:r>
-                <a:r>
-                  <a:rPr lang="en-US" sz="2200" dirty="0" err="1" smtClean="0"/>
-                  <a:t>datastore</a:t>
+                  <a:t>Cloud </a:t>
                 </a:r>
                 <a:r>
                   <a:rPr lang="en-US" sz="2200" dirty="0" smtClean="0"/>
-                  <a:t>, </a:t>
-                </a:r>
-                <a:r>
-                  <a:rPr lang="en-US" sz="2200" dirty="0" err="1" smtClean="0"/>
-                  <a:t>memcache</a:t>
-                </a:r>
-                <a:r>
-                  <a:rPr lang="en-US" sz="2200" dirty="0" smtClean="0"/>
-                  <a:t>, users, </a:t>
-                </a:r>
-                <a:r>
-                  <a:rPr lang="en-US" sz="2200" dirty="0" err="1" smtClean="0"/>
-                  <a:t>taskqueue</a:t>
-                </a:r>
-                <a:r>
-                  <a:rPr lang="en-US" sz="2200" dirty="0" smtClean="0"/>
-                  <a:t>…)</a:t>
+                  <a:t>SDK</a:t>
                 </a:r>
                 <a:endParaRPr lang="en-US" sz="2200" dirty="0"/>
               </a:p>
@@ -3828,8 +3794,8 @@
             </p:nvSpPr>
             <p:spPr>
               <a:xfrm>
-                <a:off x="2072105" y="3542620"/>
-                <a:ext cx="2219158" cy="1564105"/>
+                <a:off x="2072105" y="3542621"/>
+                <a:ext cx="2219158" cy="1034436"/>
               </a:xfrm>
               <a:prstGeom prst="rect">
                 <a:avLst/>
@@ -3873,8 +3839,8 @@
             </p:nvSpPr>
             <p:spPr>
               <a:xfrm>
-                <a:off x="4590716" y="3542620"/>
-                <a:ext cx="2219158" cy="1564105"/>
+                <a:off x="4590716" y="3542621"/>
+                <a:ext cx="2219158" cy="1034436"/>
               </a:xfrm>
               <a:prstGeom prst="rect">
                 <a:avLst/>
@@ -4097,7 +4063,11 @@
                 <a:pPr algn="ctr"/>
                 <a:r>
                   <a:rPr lang="en-US" sz="2000" dirty="0" smtClean="0"/>
-                  <a:t>(Web, Mobile or Desktop application/web API)</a:t>
+                  <a:t>(Web, Mobile or Desktop </a:t>
+                </a:r>
+                <a:r>
+                  <a:rPr lang="en-US" sz="2000" dirty="0" smtClean="0"/>
+                  <a:t>application)</a:t>
                 </a:r>
                 <a:endParaRPr lang="en-US" sz="2000" dirty="0"/>
               </a:p>
@@ -4252,8 +4222,8 @@
           </p:nvSpPr>
           <p:spPr>
             <a:xfrm>
-              <a:off x="6809874" y="2916463"/>
-              <a:ext cx="462547" cy="1937082"/>
+              <a:off x="6890802" y="3302590"/>
+              <a:ext cx="462547" cy="933194"/>
             </a:xfrm>
             <a:prstGeom prst="rightBrace">
               <a:avLst/>
@@ -4290,7 +4260,7 @@
           </p:nvSpPr>
           <p:spPr>
             <a:xfrm>
-              <a:off x="7234135" y="3602610"/>
+              <a:off x="7272421" y="3392810"/>
               <a:ext cx="1364501" cy="707886"/>
             </a:xfrm>
             <a:prstGeom prst="rect">
@@ -4320,6 +4290,56 @@
           </p:txBody>
         </p:sp>
       </p:grpSp>
+      <p:sp>
+        <p:nvSpPr>
+          <p:cNvPr id="20" name="Rectangle 19"/>
+          <p:cNvSpPr/>
+          <p:nvPr/>
+        </p:nvSpPr>
+        <p:spPr>
+          <a:xfrm>
+            <a:off x="1630949" y="4873619"/>
+            <a:ext cx="5641472" cy="1115846"/>
+          </a:xfrm>
+          <a:prstGeom prst="rect">
+            <a:avLst/>
+          </a:prstGeom>
+          <a:solidFill>
+            <a:srgbClr val="FF6600"/>
+          </a:solidFill>
+          <a:ln>
+            <a:noFill/>
+          </a:ln>
+        </p:spPr>
+        <p:style>
+          <a:lnRef idx="2">
+            <a:schemeClr val="accent2">
+              <a:shade val="50000"/>
+            </a:schemeClr>
+          </a:lnRef>
+          <a:fillRef idx="1">
+            <a:schemeClr val="accent2"/>
+          </a:fillRef>
+          <a:effectRef idx="0">
+            <a:schemeClr val="accent2"/>
+          </a:effectRef>
+          <a:fontRef idx="minor">
+            <a:schemeClr val="lt1"/>
+          </a:fontRef>
+        </p:style>
+        <p:txBody>
+          <a:bodyPr rtlCol="0" anchor="ctr"/>
+          <a:lstStyle/>
+          <a:p>
+            <a:pPr algn="ctr"/>
+            <a:r>
+              <a:rPr lang="en-US" sz="2200" dirty="0" smtClean="0"/>
+              <a:t>Kernel Services </a:t>
+            </a:r>
+            <a:endParaRPr lang="en-US" sz="2200" dirty="0"/>
+          </a:p>
+        </p:txBody>
+      </p:sp>
     </p:spTree>
     <p:extLst>
       <p:ext uri="{BB962C8B-B14F-4D97-AF65-F5344CB8AC3E}">
